--- a/Tue-Thr/DS-Day-07 R.pptx
+++ b/Tue-Thr/DS-Day-07 R.pptx
@@ -5,12 +5,10 @@
     <p:sldMasterId id="2147483781" r:id="rId1"/>
   </p:sldMasterIdLst>
   <p:notesMasterIdLst>
-    <p:notesMasterId r:id="rId5"/>
+    <p:notesMasterId r:id="rId3"/>
   </p:notesMasterIdLst>
   <p:sldIdLst>
     <p:sldId id="281" r:id="rId2"/>
-    <p:sldId id="280" r:id="rId3"/>
-    <p:sldId id="277" r:id="rId4"/>
   </p:sldIdLst>
   <p:sldSz cx="9144000" cy="6858000" type="screen4x3"/>
   <p:notesSz cx="6858000" cy="9144000"/>
@@ -199,7 +197,7 @@
           <a:p>
             <a:fld id="{22783AA6-C1EF-448D-A48A-EF30DCBEFCCC}" type="datetimeFigureOut">
               <a:rPr lang="en-US" smtClean="0"/>
-              <a:t>10/10/2018</a:t>
+              <a:t>10/16/2018</a:t>
             </a:fld>
             <a:endParaRPr lang="en-US"/>
           </a:p>
@@ -569,210 +567,6 @@
 </p:notes>
 </file>
 
-<file path=ppt/notesSlides/notesSlide2.xml><?xml version="1.0" encoding="utf-8"?>
-<p:notes xmlns:a="http://schemas.openxmlformats.org/drawingml/2006/main" xmlns:r="http://schemas.openxmlformats.org/officeDocument/2006/relationships" xmlns:p="http://schemas.openxmlformats.org/presentationml/2006/main">
-  <p:cSld>
-    <p:spTree>
-      <p:nvGrpSpPr>
-        <p:cNvPr id="1" name=""/>
-        <p:cNvGrpSpPr/>
-        <p:nvPr/>
-      </p:nvGrpSpPr>
-      <p:grpSpPr>
-        <a:xfrm>
-          <a:off x="0" y="0"/>
-          <a:ext cx="0" cy="0"/>
-          <a:chOff x="0" y="0"/>
-          <a:chExt cx="0" cy="0"/>
-        </a:xfrm>
-      </p:grpSpPr>
-      <p:sp>
-        <p:nvSpPr>
-          <p:cNvPr id="2" name="Образ слайда 1"/>
-          <p:cNvSpPr>
-            <a:spLocks noGrp="1" noRot="1" noChangeAspect="1"/>
-          </p:cNvSpPr>
-          <p:nvPr>
-            <p:ph type="sldImg"/>
-          </p:nvPr>
-        </p:nvSpPr>
-        <p:spPr>
-          <a:xfrm>
-            <a:off x="896938" y="746125"/>
-            <a:ext cx="4967287" cy="3727450"/>
-          </a:xfrm>
-        </p:spPr>
-      </p:sp>
-      <p:sp>
-        <p:nvSpPr>
-          <p:cNvPr id="3" name="Заметки 2"/>
-          <p:cNvSpPr>
-            <a:spLocks noGrp="1"/>
-          </p:cNvSpPr>
-          <p:nvPr>
-            <p:ph type="body" idx="1"/>
-          </p:nvPr>
-        </p:nvSpPr>
-        <p:spPr/>
-        <p:txBody>
-          <a:bodyPr>
-            <a:normAutofit/>
-          </a:bodyPr>
-          <a:lstStyle/>
-          <a:p>
-            <a:endParaRPr lang="ru-RU" sz="1400" dirty="0">
-              <a:latin typeface="+mn-lt"/>
-            </a:endParaRPr>
-          </a:p>
-        </p:txBody>
-      </p:sp>
-      <p:sp>
-        <p:nvSpPr>
-          <p:cNvPr id="4" name="Номер слайда 3"/>
-          <p:cNvSpPr>
-            <a:spLocks noGrp="1"/>
-          </p:cNvSpPr>
-          <p:nvPr>
-            <p:ph type="sldNum" sz="quarter" idx="10"/>
-          </p:nvPr>
-        </p:nvSpPr>
-        <p:spPr/>
-        <p:txBody>
-          <a:bodyPr/>
-          <a:lstStyle/>
-          <a:p>
-            <a:fld id="{A868C670-7DD8-483E-B635-2FC3EA348D84}" type="slidenum">
-              <a:rPr lang="ru-RU" smtClean="0">
-                <a:solidFill>
-                  <a:prstClr val="black"/>
-                </a:solidFill>
-              </a:rPr>
-              <a:pPr/>
-              <a:t>2</a:t>
-            </a:fld>
-            <a:endParaRPr lang="ru-RU">
-              <a:solidFill>
-                <a:prstClr val="black"/>
-              </a:solidFill>
-            </a:endParaRPr>
-          </a:p>
-        </p:txBody>
-      </p:sp>
-    </p:spTree>
-    <p:extLst>
-      <p:ext uri="{BB962C8B-B14F-4D97-AF65-F5344CB8AC3E}">
-        <p14:creationId xmlns:p14="http://schemas.microsoft.com/office/powerpoint/2010/main" val="64716421"/>
-      </p:ext>
-    </p:extLst>
-  </p:cSld>
-  <p:clrMapOvr>
-    <a:masterClrMapping/>
-  </p:clrMapOvr>
-</p:notes>
-</file>
-
-<file path=ppt/notesSlides/notesSlide3.xml><?xml version="1.0" encoding="utf-8"?>
-<p:notes xmlns:a="http://schemas.openxmlformats.org/drawingml/2006/main" xmlns:r="http://schemas.openxmlformats.org/officeDocument/2006/relationships" xmlns:p="http://schemas.openxmlformats.org/presentationml/2006/main">
-  <p:cSld>
-    <p:spTree>
-      <p:nvGrpSpPr>
-        <p:cNvPr id="1" name=""/>
-        <p:cNvGrpSpPr/>
-        <p:nvPr/>
-      </p:nvGrpSpPr>
-      <p:grpSpPr>
-        <a:xfrm>
-          <a:off x="0" y="0"/>
-          <a:ext cx="0" cy="0"/>
-          <a:chOff x="0" y="0"/>
-          <a:chExt cx="0" cy="0"/>
-        </a:xfrm>
-      </p:grpSpPr>
-      <p:sp>
-        <p:nvSpPr>
-          <p:cNvPr id="2" name="Образ слайда 1"/>
-          <p:cNvSpPr>
-            <a:spLocks noGrp="1" noRot="1" noChangeAspect="1"/>
-          </p:cNvSpPr>
-          <p:nvPr>
-            <p:ph type="sldImg"/>
-          </p:nvPr>
-        </p:nvSpPr>
-        <p:spPr>
-          <a:xfrm>
-            <a:off x="896938" y="746125"/>
-            <a:ext cx="4967287" cy="3727450"/>
-          </a:xfrm>
-        </p:spPr>
-      </p:sp>
-      <p:sp>
-        <p:nvSpPr>
-          <p:cNvPr id="3" name="Заметки 2"/>
-          <p:cNvSpPr>
-            <a:spLocks noGrp="1"/>
-          </p:cNvSpPr>
-          <p:nvPr>
-            <p:ph type="body" idx="1"/>
-          </p:nvPr>
-        </p:nvSpPr>
-        <p:spPr/>
-        <p:txBody>
-          <a:bodyPr>
-            <a:normAutofit/>
-          </a:bodyPr>
-          <a:lstStyle/>
-          <a:p>
-            <a:endParaRPr lang="ru-RU" sz="1400" dirty="0">
-              <a:latin typeface="+mn-lt"/>
-            </a:endParaRPr>
-          </a:p>
-        </p:txBody>
-      </p:sp>
-      <p:sp>
-        <p:nvSpPr>
-          <p:cNvPr id="4" name="Номер слайда 3"/>
-          <p:cNvSpPr>
-            <a:spLocks noGrp="1"/>
-          </p:cNvSpPr>
-          <p:nvPr>
-            <p:ph type="sldNum" sz="quarter" idx="10"/>
-          </p:nvPr>
-        </p:nvSpPr>
-        <p:spPr/>
-        <p:txBody>
-          <a:bodyPr/>
-          <a:lstStyle/>
-          <a:p>
-            <a:fld id="{A868C670-7DD8-483E-B635-2FC3EA348D84}" type="slidenum">
-              <a:rPr lang="ru-RU" smtClean="0">
-                <a:solidFill>
-                  <a:prstClr val="black"/>
-                </a:solidFill>
-              </a:rPr>
-              <a:pPr/>
-              <a:t>3</a:t>
-            </a:fld>
-            <a:endParaRPr lang="ru-RU">
-              <a:solidFill>
-                <a:prstClr val="black"/>
-              </a:solidFill>
-            </a:endParaRPr>
-          </a:p>
-        </p:txBody>
-      </p:sp>
-    </p:spTree>
-    <p:extLst>
-      <p:ext uri="{BB962C8B-B14F-4D97-AF65-F5344CB8AC3E}">
-        <p14:creationId xmlns:p14="http://schemas.microsoft.com/office/powerpoint/2010/main" val="229772804"/>
-      </p:ext>
-    </p:extLst>
-  </p:cSld>
-  <p:clrMapOvr>
-    <a:masterClrMapping/>
-  </p:clrMapOvr>
-</p:notes>
-</file>
-
 <file path=ppt/slideLayouts/slideLayout1.xml><?xml version="1.0" encoding="utf-8"?>
 <p:sldLayout xmlns:a="http://schemas.openxmlformats.org/drawingml/2006/main" xmlns:r="http://schemas.openxmlformats.org/officeDocument/2006/relationships" xmlns:p="http://schemas.openxmlformats.org/presentationml/2006/main" type="title" preserve="1">
   <p:cSld name="Титульный слайд">
@@ -915,7 +709,7 @@
           <a:p>
             <a:fld id="{C14F4D0B-68E4-4C14-BD4D-319F9BD213A3}" type="datetimeFigureOut">
               <a:rPr lang="ru-RU" smtClean="0"/>
-              <a:t>10.10.2018</a:t>
+              <a:t>16.10.2018</a:t>
             </a:fld>
             <a:endParaRPr lang="ru-RU"/>
           </a:p>
@@ -1085,7 +879,7 @@
           <a:p>
             <a:fld id="{C14F4D0B-68E4-4C14-BD4D-319F9BD213A3}" type="datetimeFigureOut">
               <a:rPr lang="ru-RU" smtClean="0"/>
-              <a:t>10.10.2018</a:t>
+              <a:t>16.10.2018</a:t>
             </a:fld>
             <a:endParaRPr lang="ru-RU"/>
           </a:p>
@@ -1265,7 +1059,7 @@
           <a:p>
             <a:fld id="{C14F4D0B-68E4-4C14-BD4D-319F9BD213A3}" type="datetimeFigureOut">
               <a:rPr lang="ru-RU" smtClean="0"/>
-              <a:t>10.10.2018</a:t>
+              <a:t>16.10.2018</a:t>
             </a:fld>
             <a:endParaRPr lang="ru-RU"/>
           </a:p>
@@ -1435,7 +1229,7 @@
           <a:p>
             <a:fld id="{C14F4D0B-68E4-4C14-BD4D-319F9BD213A3}" type="datetimeFigureOut">
               <a:rPr lang="ru-RU" smtClean="0"/>
-              <a:t>10.10.2018</a:t>
+              <a:t>16.10.2018</a:t>
             </a:fld>
             <a:endParaRPr lang="ru-RU"/>
           </a:p>
@@ -1686,7 +1480,7 @@
           <a:p>
             <a:fld id="{C14F4D0B-68E4-4C14-BD4D-319F9BD213A3}" type="datetimeFigureOut">
               <a:rPr lang="ru-RU" smtClean="0"/>
-              <a:t>10.10.2018</a:t>
+              <a:t>16.10.2018</a:t>
             </a:fld>
             <a:endParaRPr lang="ru-RU"/>
           </a:p>
@@ -1918,7 +1712,7 @@
           <a:p>
             <a:fld id="{C14F4D0B-68E4-4C14-BD4D-319F9BD213A3}" type="datetimeFigureOut">
               <a:rPr lang="ru-RU" smtClean="0"/>
-              <a:t>10.10.2018</a:t>
+              <a:t>16.10.2018</a:t>
             </a:fld>
             <a:endParaRPr lang="ru-RU"/>
           </a:p>
@@ -2265,7 +2059,7 @@
           <a:p>
             <a:fld id="{C14F4D0B-68E4-4C14-BD4D-319F9BD213A3}" type="datetimeFigureOut">
               <a:rPr lang="ru-RU" smtClean="0"/>
-              <a:t>10.10.2018</a:t>
+              <a:t>16.10.2018</a:t>
             </a:fld>
             <a:endParaRPr lang="ru-RU"/>
           </a:p>
@@ -2383,7 +2177,7 @@
           <a:p>
             <a:fld id="{C14F4D0B-68E4-4C14-BD4D-319F9BD213A3}" type="datetimeFigureOut">
               <a:rPr lang="ru-RU" smtClean="0"/>
-              <a:t>10.10.2018</a:t>
+              <a:t>16.10.2018</a:t>
             </a:fld>
             <a:endParaRPr lang="ru-RU"/>
           </a:p>
@@ -2501,7 +2295,7 @@
           <a:p>
             <a:fld id="{C14F4D0B-68E4-4C14-BD4D-319F9BD213A3}" type="datetimeFigureOut">
               <a:rPr lang="ru-RU" smtClean="0"/>
-              <a:t>10.10.2018</a:t>
+              <a:t>16.10.2018</a:t>
             </a:fld>
             <a:endParaRPr lang="ru-RU"/>
           </a:p>
@@ -2785,7 +2579,7 @@
           <a:p>
             <a:fld id="{C14F4D0B-68E4-4C14-BD4D-319F9BD213A3}" type="datetimeFigureOut">
               <a:rPr lang="ru-RU" smtClean="0"/>
-              <a:t>10.10.2018</a:t>
+              <a:t>16.10.2018</a:t>
             </a:fld>
             <a:endParaRPr lang="ru-RU"/>
           </a:p>
@@ -3049,7 +2843,7 @@
           <a:p>
             <a:fld id="{C14F4D0B-68E4-4C14-BD4D-319F9BD213A3}" type="datetimeFigureOut">
               <a:rPr lang="ru-RU" smtClean="0"/>
-              <a:t>10.10.2018</a:t>
+              <a:t>16.10.2018</a:t>
             </a:fld>
             <a:endParaRPr lang="ru-RU"/>
           </a:p>
@@ -3263,7 +3057,7 @@
           <a:p>
             <a:fld id="{C14F4D0B-68E4-4C14-BD4D-319F9BD213A3}" type="datetimeFigureOut">
               <a:rPr lang="ru-RU" smtClean="0"/>
-              <a:t>10.10.2018</a:t>
+              <a:t>16.10.2018</a:t>
             </a:fld>
             <a:endParaRPr lang="ru-RU"/>
           </a:p>
@@ -3919,7 +3713,6 @@
               <a:rPr lang="ru-RU" sz="2400" dirty="0" smtClean="0"/>
               <a:t>, количество оценок и количество зрителей в США.</a:t>
             </a:r>
-            <a:endParaRPr lang="ru-RU" sz="2400" dirty="0" smtClean="0"/>
           </a:p>
           <a:p>
             <a:endParaRPr lang="en-US" sz="2400" dirty="0"/>
@@ -3936,774 +3729,6 @@
     <p:extLst>
       <p:ext uri="{BB962C8B-B14F-4D97-AF65-F5344CB8AC3E}">
         <p14:creationId xmlns:p14="http://schemas.microsoft.com/office/powerpoint/2010/main" val="2573147247"/>
-      </p:ext>
-    </p:extLst>
-  </p:cSld>
-  <p:clrMapOvr>
-    <a:masterClrMapping/>
-  </p:clrMapOvr>
-  <p:timing>
-    <p:tnLst>
-      <p:par>
-        <p:cTn id="1" dur="indefinite" restart="never" nodeType="tmRoot"/>
-      </p:par>
-    </p:tnLst>
-  </p:timing>
-</p:sld>
-</file>
-
-<file path=ppt/slides/slide2.xml><?xml version="1.0" encoding="utf-8"?>
-<p:sld xmlns:a="http://schemas.openxmlformats.org/drawingml/2006/main" xmlns:r="http://schemas.openxmlformats.org/officeDocument/2006/relationships" xmlns:p="http://schemas.openxmlformats.org/presentationml/2006/main">
-  <p:cSld>
-    <p:spTree>
-      <p:nvGrpSpPr>
-        <p:cNvPr id="1" name=""/>
-        <p:cNvGrpSpPr/>
-        <p:nvPr/>
-      </p:nvGrpSpPr>
-      <p:grpSpPr>
-        <a:xfrm>
-          <a:off x="0" y="0"/>
-          <a:ext cx="0" cy="0"/>
-          <a:chOff x="0" y="0"/>
-          <a:chExt cx="0" cy="0"/>
-        </a:xfrm>
-      </p:grpSpPr>
-      <p:grpSp>
-        <p:nvGrpSpPr>
-          <p:cNvPr id="9" name="Группа 8"/>
-          <p:cNvGrpSpPr/>
-          <p:nvPr/>
-        </p:nvGrpSpPr>
-        <p:grpSpPr>
-          <a:xfrm>
-            <a:off x="240030" y="759941"/>
-            <a:ext cx="8583930" cy="83408"/>
-            <a:chOff x="240030" y="759941"/>
-            <a:chExt cx="8583930" cy="83408"/>
-          </a:xfrm>
-        </p:grpSpPr>
-        <p:cxnSp>
-          <p:nvCxnSpPr>
-            <p:cNvPr id="2" name="Прямая соединительная линия 1"/>
-            <p:cNvCxnSpPr/>
-            <p:nvPr/>
-          </p:nvCxnSpPr>
-          <p:spPr>
-            <a:xfrm>
-              <a:off x="560070" y="759941"/>
-              <a:ext cx="8263890" cy="0"/>
-            </a:xfrm>
-            <a:prstGeom prst="line">
-              <a:avLst/>
-            </a:prstGeom>
-            <a:ln w="76200" cap="flat" cmpd="sng" algn="ctr">
-              <a:solidFill>
-                <a:srgbClr val="0064B5"/>
-              </a:solidFill>
-              <a:prstDash val="solid"/>
-              <a:round/>
-              <a:headEnd type="none" w="med" len="sm"/>
-              <a:tailEnd type="none" w="med" len="sm"/>
-            </a:ln>
-          </p:spPr>
-          <p:style>
-            <a:lnRef idx="1">
-              <a:schemeClr val="accent1"/>
-            </a:lnRef>
-            <a:fillRef idx="0">
-              <a:schemeClr val="accent1"/>
-            </a:fillRef>
-            <a:effectRef idx="0">
-              <a:schemeClr val="accent1"/>
-            </a:effectRef>
-            <a:fontRef idx="minor">
-              <a:schemeClr val="tx1"/>
-            </a:fontRef>
-          </p:style>
-        </p:cxnSp>
-        <p:cxnSp>
-          <p:nvCxnSpPr>
-            <p:cNvPr id="3" name="Прямая соединительная линия 2"/>
-            <p:cNvCxnSpPr/>
-            <p:nvPr/>
-          </p:nvCxnSpPr>
-          <p:spPr>
-            <a:xfrm>
-              <a:off x="240030" y="843349"/>
-              <a:ext cx="8286750" cy="0"/>
-            </a:xfrm>
-            <a:prstGeom prst="line">
-              <a:avLst/>
-            </a:prstGeom>
-            <a:ln w="76200" cap="flat" cmpd="sng" algn="ctr">
-              <a:solidFill>
-                <a:srgbClr val="F5A200"/>
-              </a:solidFill>
-              <a:prstDash val="solid"/>
-              <a:round/>
-              <a:headEnd type="none" w="med" len="sm"/>
-              <a:tailEnd type="none" w="med" len="sm"/>
-            </a:ln>
-          </p:spPr>
-          <p:style>
-            <a:lnRef idx="1">
-              <a:schemeClr val="accent1"/>
-            </a:lnRef>
-            <a:fillRef idx="0">
-              <a:schemeClr val="accent1"/>
-            </a:fillRef>
-            <a:effectRef idx="0">
-              <a:schemeClr val="accent1"/>
-            </a:effectRef>
-            <a:fontRef idx="minor">
-              <a:schemeClr val="tx1"/>
-            </a:fontRef>
-          </p:style>
-        </p:cxnSp>
-      </p:grpSp>
-      <p:sp>
-        <p:nvSpPr>
-          <p:cNvPr id="5" name="TextBox 4"/>
-          <p:cNvSpPr txBox="1"/>
-          <p:nvPr/>
-        </p:nvSpPr>
-        <p:spPr>
-          <a:xfrm>
-            <a:off x="491506" y="135310"/>
-            <a:ext cx="8504712" cy="629326"/>
-          </a:xfrm>
-          <a:prstGeom prst="rect">
-            <a:avLst/>
-          </a:prstGeom>
-          <a:noFill/>
-        </p:spPr>
-        <p:txBody>
-          <a:bodyPr vert="horz" wrap="square" lIns="74600" tIns="37300" rIns="74600" bIns="37300" rtlCol="0">
-            <a:spAutoFit/>
-          </a:bodyPr>
-          <a:lstStyle/>
-          <a:p>
-            <a:r>
-              <a:rPr lang="ru-RU" sz="3600" b="1" dirty="0" smtClean="0">
-                <a:solidFill>
-                  <a:srgbClr val="0064B5"/>
-                </a:solidFill>
-                <a:latin typeface="Arial" pitchFamily="34" charset="0"/>
-                <a:cs typeface="Arial" pitchFamily="34" charset="0"/>
-              </a:rPr>
-              <a:t>Кластеризация</a:t>
-            </a:r>
-            <a:endParaRPr lang="ru-RU" sz="3600" b="1" dirty="0">
-              <a:solidFill>
-                <a:srgbClr val="0064B5"/>
-              </a:solidFill>
-              <a:latin typeface="Arial" pitchFamily="34" charset="0"/>
-              <a:cs typeface="Arial" pitchFamily="34" charset="0"/>
-            </a:endParaRPr>
-          </a:p>
-        </p:txBody>
-      </p:sp>
-      <p:sp>
-        <p:nvSpPr>
-          <p:cNvPr id="4" name="Прямоугольник 3"/>
-          <p:cNvSpPr/>
-          <p:nvPr/>
-        </p:nvSpPr>
-        <p:spPr>
-          <a:xfrm>
-            <a:off x="174140" y="922063"/>
-            <a:ext cx="8649820" cy="7109639"/>
-          </a:xfrm>
-          <a:prstGeom prst="rect">
-            <a:avLst/>
-          </a:prstGeom>
-        </p:spPr>
-        <p:txBody>
-          <a:bodyPr wrap="square">
-            <a:spAutoFit/>
-          </a:bodyPr>
-          <a:lstStyle/>
-          <a:p>
-            <a:r>
-              <a:rPr lang="ru-RU" sz="2400" b="1" dirty="0" smtClean="0"/>
-              <a:t>Типы методов:</a:t>
-            </a:r>
-          </a:p>
-          <a:p>
-            <a:pPr marL="342900" indent="-342900">
-              <a:buFontTx/>
-              <a:buChar char="-"/>
-            </a:pPr>
-            <a:r>
-              <a:rPr lang="ru-RU" sz="2400" dirty="0" smtClean="0"/>
-              <a:t>Иерархические и плоские</a:t>
-            </a:r>
-          </a:p>
-          <a:p>
-            <a:pPr marL="342900" indent="-342900">
-              <a:buFontTx/>
-              <a:buChar char="-"/>
-            </a:pPr>
-            <a:r>
-              <a:rPr lang="ru-RU" sz="2400" dirty="0" smtClean="0"/>
-              <a:t>Четкие и нечеткие</a:t>
-            </a:r>
-          </a:p>
-          <a:p>
-            <a:endParaRPr lang="ru-RU" sz="2400" b="1" dirty="0"/>
-          </a:p>
-          <a:p>
-            <a:endParaRPr lang="ru-RU" sz="2400" b="1" dirty="0" smtClean="0"/>
-          </a:p>
-          <a:p>
-            <a:r>
-              <a:rPr lang="ru-RU" sz="2400" b="1" dirty="0" smtClean="0"/>
-              <a:t>Метод к-средних</a:t>
-            </a:r>
-          </a:p>
-          <a:p>
-            <a:r>
-              <a:rPr lang="en-US" sz="2400" dirty="0" err="1" smtClean="0"/>
-              <a:t>kmeans</a:t>
-            </a:r>
-            <a:r>
-              <a:rPr lang="en-US" sz="2400" dirty="0" smtClean="0"/>
-              <a:t>(</a:t>
-            </a:r>
-            <a:r>
-              <a:rPr lang="en-US" sz="2400" dirty="0" err="1" smtClean="0"/>
-              <a:t>df</a:t>
-            </a:r>
-            <a:r>
-              <a:rPr lang="en-US" sz="2400" dirty="0" smtClean="0"/>
-              <a:t>, </a:t>
-            </a:r>
-            <a:r>
-              <a:rPr lang="en-US" sz="2400" dirty="0" err="1" smtClean="0"/>
-              <a:t>num</a:t>
-            </a:r>
-            <a:r>
-              <a:rPr lang="en-US" sz="2400" dirty="0" smtClean="0"/>
-              <a:t>)</a:t>
-            </a:r>
-          </a:p>
-          <a:p>
-            <a:endParaRPr lang="en-US" sz="2400" b="1" dirty="0"/>
-          </a:p>
-          <a:p>
-            <a:endParaRPr lang="en-US" sz="2400" b="1" dirty="0" smtClean="0"/>
-          </a:p>
-          <a:p>
-            <a:r>
-              <a:rPr lang="ru-RU" sz="2400" b="1" dirty="0"/>
-              <a:t>Метод </a:t>
-            </a:r>
-            <a:r>
-              <a:rPr lang="ru-RU" sz="2400" b="1" dirty="0" smtClean="0"/>
-              <a:t>к-</a:t>
-            </a:r>
-            <a:r>
-              <a:rPr lang="en-US" sz="2400" b="1" dirty="0" err="1" smtClean="0"/>
-              <a:t>metoids</a:t>
-            </a:r>
-            <a:endParaRPr lang="en-US" sz="2400" b="1" dirty="0"/>
-          </a:p>
-          <a:p>
-            <a:r>
-              <a:rPr lang="en-US" sz="2400" dirty="0"/>
-              <a:t>library(</a:t>
-            </a:r>
-            <a:r>
-              <a:rPr lang="en-US" sz="2400" dirty="0" err="1"/>
-              <a:t>fpc</a:t>
-            </a:r>
-            <a:r>
-              <a:rPr lang="en-US" sz="2400" dirty="0" smtClean="0"/>
-              <a:t>)</a:t>
-            </a:r>
-          </a:p>
-          <a:p>
-            <a:r>
-              <a:rPr lang="en-US" sz="2400" dirty="0" err="1" smtClean="0"/>
-              <a:t>pamk</a:t>
-            </a:r>
-            <a:r>
-              <a:rPr lang="en-US" sz="2400" dirty="0" smtClean="0"/>
-              <a:t>(</a:t>
-            </a:r>
-            <a:r>
-              <a:rPr lang="en-US" sz="2400" dirty="0" err="1" smtClean="0"/>
-              <a:t>df</a:t>
-            </a:r>
-            <a:r>
-              <a:rPr lang="en-US" sz="2400" dirty="0" smtClean="0"/>
-              <a:t>) | </a:t>
-            </a:r>
-            <a:r>
-              <a:rPr lang="en-US" sz="2400" dirty="0" err="1" smtClean="0"/>
-              <a:t>pamk</a:t>
-            </a:r>
-            <a:r>
-              <a:rPr lang="en-US" sz="2400" dirty="0" smtClean="0"/>
-              <a:t>(</a:t>
-            </a:r>
-            <a:r>
-              <a:rPr lang="en-US" sz="2400" dirty="0" err="1" smtClean="0"/>
-              <a:t>df,num</a:t>
-            </a:r>
-            <a:r>
-              <a:rPr lang="en-US" sz="2400" dirty="0" smtClean="0"/>
-              <a:t>) </a:t>
-            </a:r>
-            <a:endParaRPr lang="ru-RU" sz="2400" dirty="0" smtClean="0"/>
-          </a:p>
-          <a:p>
-            <a:endParaRPr lang="ru-RU" sz="2400" b="1" dirty="0"/>
-          </a:p>
-          <a:p>
-            <a:endParaRPr lang="ru-RU" sz="2400" b="1" dirty="0" smtClean="0"/>
-          </a:p>
-          <a:p>
-            <a:endParaRPr lang="ru-RU" sz="2400" b="1" dirty="0"/>
-          </a:p>
-          <a:p>
-            <a:endParaRPr lang="ru-RU" sz="2400" b="1" dirty="0" smtClean="0"/>
-          </a:p>
-          <a:p>
-            <a:endParaRPr lang="ru-RU" sz="2400" b="1" dirty="0"/>
-          </a:p>
-          <a:p>
-            <a:endParaRPr lang="ru-RU" sz="2400" b="1" dirty="0" smtClean="0"/>
-          </a:p>
-          <a:p>
-            <a:endParaRPr lang="en-US" sz="2400" dirty="0"/>
-          </a:p>
-        </p:txBody>
-      </p:sp>
-      <p:pic>
-        <p:nvPicPr>
-          <p:cNvPr id="1026" name="Picture 2" descr="Картинки по запросу кластеризация r"/>
-          <p:cNvPicPr>
-            <a:picLocks noChangeAspect="1" noChangeArrowheads="1"/>
-          </p:cNvPicPr>
-          <p:nvPr/>
-        </p:nvPicPr>
-        <p:blipFill rotWithShape="1">
-          <a:blip r:embed="rId3">
-            <a:extLst>
-              <a:ext uri="{28A0092B-C50C-407E-A947-70E740481C1C}">
-                <a14:useLocalDpi xmlns:a14="http://schemas.microsoft.com/office/drawing/2010/main" val="0"/>
-              </a:ext>
-            </a:extLst>
-          </a:blip>
-          <a:srcRect r="47749"/>
-          <a:stretch/>
-        </p:blipFill>
-        <p:spPr bwMode="auto">
-          <a:xfrm>
-            <a:off x="5024494" y="1226949"/>
-            <a:ext cx="3799466" cy="3409559"/>
-          </a:xfrm>
-          <a:prstGeom prst="rect">
-            <a:avLst/>
-          </a:prstGeom>
-          <a:noFill/>
-          <a:extLst>
-            <a:ext uri="{909E8E84-426E-40DD-AFC4-6F175D3DCCD1}">
-              <a14:hiddenFill xmlns:a14="http://schemas.microsoft.com/office/drawing/2010/main">
-                <a:solidFill>
-                  <a:srgbClr val="FFFFFF"/>
-                </a:solidFill>
-              </a14:hiddenFill>
-            </a:ext>
-          </a:extLst>
-        </p:spPr>
-      </p:pic>
-    </p:spTree>
-    <p:extLst>
-      <p:ext uri="{BB962C8B-B14F-4D97-AF65-F5344CB8AC3E}">
-        <p14:creationId xmlns:p14="http://schemas.microsoft.com/office/powerpoint/2010/main" val="4172288949"/>
-      </p:ext>
-    </p:extLst>
-  </p:cSld>
-  <p:clrMapOvr>
-    <a:masterClrMapping/>
-  </p:clrMapOvr>
-  <p:timing>
-    <p:tnLst>
-      <p:par>
-        <p:cTn id="1" dur="indefinite" restart="never" nodeType="tmRoot"/>
-      </p:par>
-    </p:tnLst>
-  </p:timing>
-</p:sld>
-</file>
-
-<file path=ppt/slides/slide3.xml><?xml version="1.0" encoding="utf-8"?>
-<p:sld xmlns:a="http://schemas.openxmlformats.org/drawingml/2006/main" xmlns:r="http://schemas.openxmlformats.org/officeDocument/2006/relationships" xmlns:p="http://schemas.openxmlformats.org/presentationml/2006/main">
-  <p:cSld>
-    <p:spTree>
-      <p:nvGrpSpPr>
-        <p:cNvPr id="1" name=""/>
-        <p:cNvGrpSpPr/>
-        <p:nvPr/>
-      </p:nvGrpSpPr>
-      <p:grpSpPr>
-        <a:xfrm>
-          <a:off x="0" y="0"/>
-          <a:ext cx="0" cy="0"/>
-          <a:chOff x="0" y="0"/>
-          <a:chExt cx="0" cy="0"/>
-        </a:xfrm>
-      </p:grpSpPr>
-      <p:grpSp>
-        <p:nvGrpSpPr>
-          <p:cNvPr id="9" name="Группа 8"/>
-          <p:cNvGrpSpPr/>
-          <p:nvPr/>
-        </p:nvGrpSpPr>
-        <p:grpSpPr>
-          <a:xfrm>
-            <a:off x="240030" y="759941"/>
-            <a:ext cx="8583930" cy="83408"/>
-            <a:chOff x="240030" y="759941"/>
-            <a:chExt cx="8583930" cy="83408"/>
-          </a:xfrm>
-        </p:grpSpPr>
-        <p:cxnSp>
-          <p:nvCxnSpPr>
-            <p:cNvPr id="2" name="Прямая соединительная линия 1"/>
-            <p:cNvCxnSpPr/>
-            <p:nvPr/>
-          </p:nvCxnSpPr>
-          <p:spPr>
-            <a:xfrm>
-              <a:off x="560070" y="759941"/>
-              <a:ext cx="8263890" cy="0"/>
-            </a:xfrm>
-            <a:prstGeom prst="line">
-              <a:avLst/>
-            </a:prstGeom>
-            <a:ln w="76200" cap="flat" cmpd="sng" algn="ctr">
-              <a:solidFill>
-                <a:srgbClr val="0064B5"/>
-              </a:solidFill>
-              <a:prstDash val="solid"/>
-              <a:round/>
-              <a:headEnd type="none" w="med" len="sm"/>
-              <a:tailEnd type="none" w="med" len="sm"/>
-            </a:ln>
-          </p:spPr>
-          <p:style>
-            <a:lnRef idx="1">
-              <a:schemeClr val="accent1"/>
-            </a:lnRef>
-            <a:fillRef idx="0">
-              <a:schemeClr val="accent1"/>
-            </a:fillRef>
-            <a:effectRef idx="0">
-              <a:schemeClr val="accent1"/>
-            </a:effectRef>
-            <a:fontRef idx="minor">
-              <a:schemeClr val="tx1"/>
-            </a:fontRef>
-          </p:style>
-        </p:cxnSp>
-        <p:cxnSp>
-          <p:nvCxnSpPr>
-            <p:cNvPr id="3" name="Прямая соединительная линия 2"/>
-            <p:cNvCxnSpPr/>
-            <p:nvPr/>
-          </p:nvCxnSpPr>
-          <p:spPr>
-            <a:xfrm>
-              <a:off x="240030" y="843349"/>
-              <a:ext cx="8286750" cy="0"/>
-            </a:xfrm>
-            <a:prstGeom prst="line">
-              <a:avLst/>
-            </a:prstGeom>
-            <a:ln w="76200" cap="flat" cmpd="sng" algn="ctr">
-              <a:solidFill>
-                <a:srgbClr val="F5A200"/>
-              </a:solidFill>
-              <a:prstDash val="solid"/>
-              <a:round/>
-              <a:headEnd type="none" w="med" len="sm"/>
-              <a:tailEnd type="none" w="med" len="sm"/>
-            </a:ln>
-          </p:spPr>
-          <p:style>
-            <a:lnRef idx="1">
-              <a:schemeClr val="accent1"/>
-            </a:lnRef>
-            <a:fillRef idx="0">
-              <a:schemeClr val="accent1"/>
-            </a:fillRef>
-            <a:effectRef idx="0">
-              <a:schemeClr val="accent1"/>
-            </a:effectRef>
-            <a:fontRef idx="minor">
-              <a:schemeClr val="tx1"/>
-            </a:fontRef>
-          </p:style>
-        </p:cxnSp>
-      </p:grpSp>
-      <p:sp>
-        <p:nvSpPr>
-          <p:cNvPr id="5" name="TextBox 4"/>
-          <p:cNvSpPr txBox="1"/>
-          <p:nvPr/>
-        </p:nvSpPr>
-        <p:spPr>
-          <a:xfrm>
-            <a:off x="491506" y="135310"/>
-            <a:ext cx="8504712" cy="629326"/>
-          </a:xfrm>
-          <a:prstGeom prst="rect">
-            <a:avLst/>
-          </a:prstGeom>
-          <a:noFill/>
-        </p:spPr>
-        <p:txBody>
-          <a:bodyPr vert="horz" wrap="square" lIns="74600" tIns="37300" rIns="74600" bIns="37300" rtlCol="0">
-            <a:spAutoFit/>
-          </a:bodyPr>
-          <a:lstStyle/>
-          <a:p>
-            <a:r>
-              <a:rPr lang="ru-RU" sz="3600" b="1" dirty="0" smtClean="0">
-                <a:solidFill>
-                  <a:srgbClr val="0064B5"/>
-                </a:solidFill>
-                <a:latin typeface="Arial" pitchFamily="34" charset="0"/>
-                <a:cs typeface="Arial" pitchFamily="34" charset="0"/>
-              </a:rPr>
-              <a:t>Задание 2</a:t>
-            </a:r>
-            <a:endParaRPr lang="ru-RU" sz="3600" b="1" dirty="0">
-              <a:solidFill>
-                <a:srgbClr val="0064B5"/>
-              </a:solidFill>
-              <a:latin typeface="Arial" pitchFamily="34" charset="0"/>
-              <a:cs typeface="Arial" pitchFamily="34" charset="0"/>
-            </a:endParaRPr>
-          </a:p>
-        </p:txBody>
-      </p:sp>
-      <p:sp>
-        <p:nvSpPr>
-          <p:cNvPr id="4" name="Прямоугольник 3"/>
-          <p:cNvSpPr/>
-          <p:nvPr/>
-        </p:nvSpPr>
-        <p:spPr>
-          <a:xfrm>
-            <a:off x="174140" y="922063"/>
-            <a:ext cx="8649820" cy="6370975"/>
-          </a:xfrm>
-          <a:prstGeom prst="rect">
-            <a:avLst/>
-          </a:prstGeom>
-        </p:spPr>
-        <p:txBody>
-          <a:bodyPr wrap="square">
-            <a:spAutoFit/>
-          </a:bodyPr>
-          <a:lstStyle/>
-          <a:p>
-            <a:pPr marL="457200" indent="-457200">
-              <a:buAutoNum type="arabicPeriod"/>
-            </a:pPr>
-            <a:r>
-              <a:rPr lang="ru-RU" sz="2400" dirty="0"/>
-              <a:t>Используя файл </a:t>
-            </a:r>
-            <a:r>
-              <a:rPr lang="en-US" sz="2400" dirty="0"/>
-              <a:t>DataDay5.csv </a:t>
-            </a:r>
-            <a:r>
-              <a:rPr lang="ru-RU" sz="2400" dirty="0"/>
-              <a:t>определить кластер стран с наилучшим развитием (</a:t>
-            </a:r>
-            <a:r>
-              <a:rPr lang="ru-RU" sz="2400" dirty="0" err="1"/>
-              <a:t>кластеризовать</a:t>
-            </a:r>
-            <a:r>
-              <a:rPr lang="ru-RU" sz="2400" dirty="0"/>
-              <a:t> по </a:t>
-            </a:r>
-            <a:r>
-              <a:rPr lang="en-US" sz="2400" dirty="0" err="1"/>
-              <a:t>Ie</a:t>
-            </a:r>
-            <a:r>
-              <a:rPr lang="en-US" sz="2400" dirty="0"/>
-              <a:t>, </a:t>
-            </a:r>
-            <a:r>
-              <a:rPr lang="en-US" sz="2400" dirty="0" err="1"/>
-              <a:t>Iec</a:t>
-            </a:r>
-            <a:r>
-              <a:rPr lang="en-US" sz="2400" dirty="0"/>
-              <a:t>, Is; </a:t>
-            </a:r>
-            <a:r>
-              <a:rPr lang="ru-RU" sz="2400" dirty="0"/>
-              <a:t>для к-средних использовать 4 кластера).</a:t>
-            </a:r>
-            <a:endParaRPr lang="en-US" sz="2400" dirty="0"/>
-          </a:p>
-          <a:p>
-            <a:pPr marL="457200" indent="-457200">
-              <a:buAutoNum type="arabicPeriod"/>
-            </a:pPr>
-            <a:r>
-              <a:rPr lang="ru-RU" sz="2400" dirty="0"/>
-              <a:t>Построить центры </a:t>
-            </a:r>
-            <a:r>
-              <a:rPr lang="ru-RU" sz="2400" dirty="0" smtClean="0"/>
-              <a:t>кластеров на диаграммах рассеивания.</a:t>
-            </a:r>
-            <a:endParaRPr lang="ru-RU" sz="2400" dirty="0"/>
-          </a:p>
-          <a:p>
-            <a:pPr marL="457200" indent="-457200">
-              <a:buAutoNum type="arabicPeriod"/>
-            </a:pPr>
-            <a:r>
-              <a:rPr lang="ru-RU" sz="2400" dirty="0"/>
-              <a:t>Провести кластеризацию по С</a:t>
-            </a:r>
-            <a:r>
-              <a:rPr lang="en-US" sz="2400" dirty="0" err="1"/>
-              <a:t>ql</a:t>
-            </a:r>
-            <a:r>
-              <a:rPr lang="en-US" sz="2400" dirty="0"/>
-              <a:t>, </a:t>
-            </a:r>
-            <a:r>
-              <a:rPr lang="ru-RU" sz="2400" dirty="0"/>
-              <a:t>посчитать сколько стран попало в разные кластера, если сравнить с п1.</a:t>
-            </a:r>
-          </a:p>
-          <a:p>
-            <a:pPr marL="457200" indent="-457200">
-              <a:buFontTx/>
-              <a:buAutoNum type="arabicPeriod"/>
-            </a:pPr>
-            <a:r>
-              <a:rPr lang="ru-RU" sz="2400" dirty="0"/>
-              <a:t>Используя файл </a:t>
-            </a:r>
-            <a:r>
-              <a:rPr lang="en-US" sz="2400" dirty="0" err="1" smtClean="0"/>
-              <a:t>DataDay</a:t>
-            </a:r>
-            <a:r>
-              <a:rPr lang="ru-RU" sz="2400" dirty="0" smtClean="0"/>
-              <a:t>3</a:t>
-            </a:r>
-            <a:r>
-              <a:rPr lang="en-US" sz="2400" dirty="0" smtClean="0"/>
-              <a:t>.csv</a:t>
-            </a:r>
-            <a:r>
-              <a:rPr lang="ru-RU" sz="2400" dirty="0" smtClean="0"/>
-              <a:t> </a:t>
-            </a:r>
-            <a:r>
-              <a:rPr lang="ru-RU" sz="2400" dirty="0"/>
-              <a:t>какой регион доминирует в кластерах по ВВП на душу населения и плотности населения</a:t>
-            </a:r>
-            <a:r>
-              <a:rPr lang="ru-RU" sz="2400" dirty="0" smtClean="0"/>
-              <a:t>.</a:t>
-            </a:r>
-            <a:endParaRPr lang="en-US" sz="2400" dirty="0" smtClean="0"/>
-          </a:p>
-          <a:p>
-            <a:pPr marL="457200" indent="-457200">
-              <a:buFontTx/>
-              <a:buAutoNum type="arabicPeriod"/>
-            </a:pPr>
-            <a:r>
-              <a:rPr lang="ru-RU" sz="2400" dirty="0" smtClean="0"/>
-              <a:t>Вывести частотные гистограммы всех показателей файла </a:t>
-            </a:r>
-            <a:r>
-              <a:rPr lang="en-US" sz="2400" dirty="0" err="1" smtClean="0"/>
-              <a:t>DataDay</a:t>
-            </a:r>
-            <a:r>
-              <a:rPr lang="ru-RU" sz="2400" dirty="0" smtClean="0"/>
-              <a:t>3</a:t>
-            </a:r>
-            <a:r>
-              <a:rPr lang="en-US" sz="2400" dirty="0" smtClean="0"/>
-              <a:t>.csv</a:t>
-            </a:r>
-            <a:r>
-              <a:rPr lang="ru-RU" sz="2400" dirty="0" smtClean="0"/>
-              <a:t>, используя цикл.</a:t>
-            </a:r>
-          </a:p>
-          <a:p>
-            <a:pPr marL="457200" indent="-457200">
-              <a:buFontTx/>
-              <a:buAutoNum type="arabicPeriod"/>
-            </a:pPr>
-            <a:r>
-              <a:rPr lang="ru-RU" sz="2400" dirty="0" smtClean="0"/>
-              <a:t>Создать функцию, которая на вход принимает два набора данных, проверяет есть ли линейная зависимость и выводит </a:t>
-            </a:r>
-            <a:r>
-              <a:rPr lang="en-US" sz="2400" dirty="0" smtClean="0"/>
-              <a:t>True </a:t>
-            </a:r>
-            <a:r>
-              <a:rPr lang="ru-RU" sz="2400" dirty="0" smtClean="0"/>
-              <a:t>или </a:t>
-            </a:r>
-            <a:r>
-              <a:rPr lang="en-US" sz="2400" dirty="0" smtClean="0"/>
-              <a:t>False (</a:t>
-            </a:r>
-            <a:r>
-              <a:rPr lang="ru-RU" sz="2400" dirty="0" smtClean="0"/>
-              <a:t>будем понимать под «есть линейная зависимость», если коэффициент по модулю корреляции больше 0,8).</a:t>
-            </a:r>
-            <a:r>
-              <a:rPr lang="en-US" sz="2400" dirty="0" smtClean="0"/>
-              <a:t> </a:t>
-            </a:r>
-            <a:endParaRPr lang="en-US" sz="2400" dirty="0"/>
-          </a:p>
-          <a:p>
-            <a:pPr marL="457200" indent="-457200">
-              <a:buFontTx/>
-              <a:buAutoNum type="arabicPeriod"/>
-            </a:pPr>
-            <a:endParaRPr lang="en-US" sz="2400" dirty="0"/>
-          </a:p>
-          <a:p>
-            <a:pPr marL="457200" indent="-457200">
-              <a:buAutoNum type="arabicPeriod"/>
-            </a:pPr>
-            <a:endParaRPr lang="en-US" sz="2400" dirty="0"/>
-          </a:p>
-        </p:txBody>
-      </p:sp>
-    </p:spTree>
-    <p:extLst>
-      <p:ext uri="{BB962C8B-B14F-4D97-AF65-F5344CB8AC3E}">
-        <p14:creationId xmlns:p14="http://schemas.microsoft.com/office/powerpoint/2010/main" val="4069400614"/>
       </p:ext>
     </p:extLst>
   </p:cSld>
